--- a/public/ppt/Stalk.pptx
+++ b/public/ppt/Stalk.pptx
@@ -531,26 +531,9 @@
           <a:bodyPr/>
           <a:lstStyle/>
           <a:p>
-            <a:r>
-              <a:rPr lang="en-GB" dirty="0" err="1" smtClean="0"/>
-              <a:t>Sistemare</a:t>
-            </a:r>
-            <a:r>
-              <a:rPr lang="en-GB" baseline="0" dirty="0" smtClean="0"/>
-              <a:t> data in </a:t>
-            </a:r>
-            <a:r>
-              <a:rPr lang="en-GB" baseline="0" dirty="0" err="1" smtClean="0"/>
-              <a:t>tutte</a:t>
-            </a:r>
-            <a:r>
-              <a:rPr lang="en-GB" baseline="0" dirty="0" smtClean="0"/>
-              <a:t> le </a:t>
-            </a:r>
-            <a:r>
-              <a:rPr lang="en-GB" baseline="0" dirty="0" err="1" smtClean="0"/>
-              <a:t>pagine</a:t>
-            </a:r>
+            <a:endParaRPr lang="en-GB" dirty="0" smtClean="0"/>
+          </a:p>
+          <a:p>
             <a:endParaRPr lang="en-GB" dirty="0"/>
           </a:p>
         </p:txBody>
@@ -5670,9 +5653,36 @@
           </a:fontRef>
         </p:style>
       </p:cxnSp>
+      <p:sp>
+        <p:nvSpPr>
+          <p:cNvPr id="12" name="Segnaposto data 5"/>
+          <p:cNvSpPr>
+            <a:spLocks noGrp="1"/>
+          </p:cNvSpPr>
+          <p:nvPr>
+            <p:ph type="dt" sz="half" idx="10"/>
+          </p:nvPr>
+        </p:nvSpPr>
+        <p:spPr>
+          <a:xfrm>
+            <a:off x="628650" y="6356351"/>
+            <a:ext cx="2057400" cy="365125"/>
+          </a:xfrm>
+        </p:spPr>
+        <p:txBody>
+          <a:bodyPr/>
+          <a:lstStyle/>
+          <a:p>
+            <a:r>
+              <a:rPr lang="en-US" dirty="0"/>
+              <a:t>12.01.16</a:t>
+            </a:r>
+          </a:p>
+        </p:txBody>
+      </p:sp>
       <p:pic>
         <p:nvPicPr>
-          <p:cNvPr id="2" name="Picture 1"/>
+          <p:cNvPr id="3" name="Picture 2"/>
           <p:cNvPicPr>
             <a:picLocks noChangeAspect="1"/>
           </p:cNvPicPr>
@@ -5692,41 +5702,14 @@
         </p:blipFill>
         <p:spPr>
           <a:xfrm>
-            <a:off x="1123308" y="1629714"/>
-            <a:ext cx="6794090" cy="4558133"/>
+            <a:off x="1112867" y="1598822"/>
+            <a:ext cx="6886180" cy="4619916"/>
           </a:xfrm>
           <a:prstGeom prst="rect">
             <a:avLst/>
           </a:prstGeom>
         </p:spPr>
       </p:pic>
-      <p:sp>
-        <p:nvSpPr>
-          <p:cNvPr id="12" name="Segnaposto data 5"/>
-          <p:cNvSpPr>
-            <a:spLocks noGrp="1"/>
-          </p:cNvSpPr>
-          <p:nvPr>
-            <p:ph type="dt" sz="half" idx="10"/>
-          </p:nvPr>
-        </p:nvSpPr>
-        <p:spPr>
-          <a:xfrm>
-            <a:off x="628650" y="6356351"/>
-            <a:ext cx="2057400" cy="365125"/>
-          </a:xfrm>
-        </p:spPr>
-        <p:txBody>
-          <a:bodyPr/>
-          <a:lstStyle/>
-          <a:p>
-            <a:r>
-              <a:rPr lang="en-US" dirty="0"/>
-              <a:t>12.01.16</a:t>
-            </a:r>
-          </a:p>
-        </p:txBody>
-      </p:sp>
     </p:spTree>
     <p:extLst>
       <p:ext uri="{BB962C8B-B14F-4D97-AF65-F5344CB8AC3E}">
@@ -5786,11 +5769,7 @@
           <a:p>
             <a:r>
               <a:rPr lang="it-IT" sz="2000" dirty="0" smtClean="0"/>
-              <a:t>Analisi del </a:t>
-            </a:r>
-            <a:r>
-              <a:rPr lang="it-IT" sz="2000" dirty="0" smtClean="0"/>
-              <a:t>profilo </a:t>
+              <a:t>Analisi del profilo </a:t>
             </a:r>
             <a:r>
               <a:rPr lang="it-IT" sz="2000" dirty="0" err="1"/>
@@ -6085,7 +6064,6 @@
               <a:rPr lang="it-IT" sz="2000" dirty="0" smtClean="0"/>
               <a:t> - Express</a:t>
             </a:r>
-            <a:endParaRPr lang="it-IT" sz="2000" dirty="0" smtClean="0"/>
           </a:p>
           <a:p>
             <a:endParaRPr lang="it-IT" sz="2000" dirty="0"/>
@@ -7225,7 +7203,6 @@
               <a:rPr lang="it-IT" sz="2000" dirty="0" smtClean="0"/>
               <a:t>Innestarne un numero indefinito</a:t>
             </a:r>
-            <a:endParaRPr lang="it-IT" sz="2000" dirty="0" smtClean="0"/>
           </a:p>
           <a:p>
             <a:endParaRPr lang="it-IT" sz="2000" dirty="0"/>
